--- a/Template_Presentation_Students.pptx
+++ b/Template_Presentation_Students.pptx
@@ -135,7 +135,7 @@
 <file path=ppt/revisionInfo.xml><?xml version="1.0" encoding="utf-8"?>
 <p1510:revInfo xmlns:a="http://schemas.openxmlformats.org/drawingml/2006/main" xmlns:r="http://schemas.openxmlformats.org/officeDocument/2006/relationships" xmlns:p1510="http://schemas.microsoft.com/office/powerpoint/2015/10/main">
   <p1510:revLst>
-    <p1510:client id="{6026B360-59C3-400C-9ED8-BE8BD46FFCD7}" v="6" dt="2024-06-23T13:06:11.176"/>
+    <p1510:client id="{6026B360-59C3-400C-9ED8-BE8BD46FFCD7}" v="9" dt="2024-06-23T13:16:02.675"/>
   </p1510:revLst>
 </p1510:revInfo>
 </file>
@@ -145,7 +145,7 @@
   <pc:docChgLst>
     <pc:chgData name="Bhargavi Gottumukkala" userId="91702d681b757d4c" providerId="LiveId" clId="{6026B360-59C3-400C-9ED8-BE8BD46FFCD7}"/>
     <pc:docChg chg="custSel modSld">
-      <pc:chgData name="Bhargavi Gottumukkala" userId="91702d681b757d4c" providerId="LiveId" clId="{6026B360-59C3-400C-9ED8-BE8BD46FFCD7}" dt="2024-06-23T13:10:18.143" v="1085" actId="20577"/>
+      <pc:chgData name="Bhargavi Gottumukkala" userId="91702d681b757d4c" providerId="LiveId" clId="{6026B360-59C3-400C-9ED8-BE8BD46FFCD7}" dt="2024-06-23T13:13:11.471" v="1088"/>
       <pc:docMkLst>
         <pc:docMk/>
       </pc:docMkLst>
@@ -206,6 +206,21 @@
             <pc:docMk/>
             <pc:sldMk cId="0" sldId="264"/>
             <ac:spMk id="10" creationId="{C0553EAA-330B-142D-006C-0173681433D6}"/>
+          </ac:spMkLst>
+        </pc:spChg>
+      </pc:sldChg>
+      <pc:sldChg chg="addSp modSp mod">
+        <pc:chgData name="Bhargavi Gottumukkala" userId="91702d681b757d4c" providerId="LiveId" clId="{6026B360-59C3-400C-9ED8-BE8BD46FFCD7}" dt="2024-06-23T13:13:11.471" v="1088"/>
+        <pc:sldMkLst>
+          <pc:docMk/>
+          <pc:sldMk cId="0" sldId="265"/>
+        </pc:sldMkLst>
+        <pc:spChg chg="add mod">
+          <ac:chgData name="Bhargavi Gottumukkala" userId="91702d681b757d4c" providerId="LiveId" clId="{6026B360-59C3-400C-9ED8-BE8BD46FFCD7}" dt="2024-06-23T13:13:11.471" v="1088"/>
+          <ac:spMkLst>
+            <pc:docMk/>
+            <pc:sldMk cId="0" sldId="265"/>
+            <ac:spMk id="8" creationId="{4F4AE794-13F6-BD15-41C6-41474C3C263A}"/>
           </ac:spMkLst>
         </pc:spChg>
       </pc:sldChg>
@@ -3048,6 +3063,45 @@
               <a:latin typeface="Trebuchet MS"/>
               <a:cs typeface="Trebuchet MS"/>
             </a:endParaRPr>
+          </a:p>
+        </p:txBody>
+      </p:sp>
+      <p:sp>
+        <p:nvSpPr>
+          <p:cNvPr id="8" name="TextBox 7">
+            <a:hlinkClick r:id="rId3"/>
+            <a:extLst>
+              <a:ext uri="{FF2B5EF4-FFF2-40B4-BE49-F238E27FC236}">
+                <a16:creationId xmlns:a16="http://schemas.microsoft.com/office/drawing/2014/main" id="{4F4AE794-13F6-BD15-41C6-41474C3C263A}"/>
+              </a:ext>
+            </a:extLst>
+          </p:cNvPr>
+          <p:cNvSpPr txBox="1"/>
+          <p:nvPr/>
+        </p:nvSpPr>
+        <p:spPr>
+          <a:xfrm>
+            <a:off x="1066800" y="3429000"/>
+            <a:ext cx="7010400" cy="369332"/>
+          </a:xfrm>
+          <a:prstGeom prst="rect">
+            <a:avLst/>
+          </a:prstGeom>
+          <a:noFill/>
+        </p:spPr>
+        <p:txBody>
+          <a:bodyPr wrap="square" rtlCol="0">
+            <a:spAutoFit/>
+          </a:bodyPr>
+          <a:lstStyle/>
+          <a:p>
+            <a:r>
+              <a:rPr lang="en-IN" dirty="0">
+                <a:hlinkClick r:id="rId4"/>
+              </a:rPr>
+              <a:t>https://github.com/gottumukkalabhargavi/Bhargavi.git</a:t>
+            </a:r>
+            <a:endParaRPr lang="en-IN" dirty="0"/>
           </a:p>
         </p:txBody>
       </p:sp>

--- a/Template_Presentation_Students.pptx
+++ b/Template_Presentation_Students.pptx
@@ -135,7 +135,7 @@
 <file path=ppt/revisionInfo.xml><?xml version="1.0" encoding="utf-8"?>
 <p1510:revInfo xmlns:a="http://schemas.openxmlformats.org/drawingml/2006/main" xmlns:r="http://schemas.openxmlformats.org/officeDocument/2006/relationships" xmlns:p1510="http://schemas.microsoft.com/office/powerpoint/2015/10/main">
   <p1510:revLst>
-    <p1510:client id="{6026B360-59C3-400C-9ED8-BE8BD46FFCD7}" v="9" dt="2024-06-23T13:16:02.675"/>
+    <p1510:client id="{6026B360-59C3-400C-9ED8-BE8BD46FFCD7}" v="10" dt="2024-06-24T13:44:52.592"/>
   </p1510:revLst>
 </p1510:revInfo>
 </file>
@@ -145,7 +145,7 @@
   <pc:docChgLst>
     <pc:chgData name="Bhargavi Gottumukkala" userId="91702d681b757d4c" providerId="LiveId" clId="{6026B360-59C3-400C-9ED8-BE8BD46FFCD7}"/>
     <pc:docChg chg="custSel modSld">
-      <pc:chgData name="Bhargavi Gottumukkala" userId="91702d681b757d4c" providerId="LiveId" clId="{6026B360-59C3-400C-9ED8-BE8BD46FFCD7}" dt="2024-06-23T13:13:11.471" v="1088"/>
+      <pc:chgData name="Bhargavi Gottumukkala" userId="91702d681b757d4c" providerId="LiveId" clId="{6026B360-59C3-400C-9ED8-BE8BD46FFCD7}" dt="2024-06-24T13:44:08.643" v="1142"/>
       <pc:docMkLst>
         <pc:docMk/>
       </pc:docMkLst>
@@ -210,13 +210,13 @@
         </pc:spChg>
       </pc:sldChg>
       <pc:sldChg chg="addSp modSp mod">
-        <pc:chgData name="Bhargavi Gottumukkala" userId="91702d681b757d4c" providerId="LiveId" clId="{6026B360-59C3-400C-9ED8-BE8BD46FFCD7}" dt="2024-06-23T13:13:11.471" v="1088"/>
+        <pc:chgData name="Bhargavi Gottumukkala" userId="91702d681b757d4c" providerId="LiveId" clId="{6026B360-59C3-400C-9ED8-BE8BD46FFCD7}" dt="2024-06-24T13:44:08.643" v="1142"/>
         <pc:sldMkLst>
           <pc:docMk/>
           <pc:sldMk cId="0" sldId="265"/>
         </pc:sldMkLst>
         <pc:spChg chg="add mod">
-          <ac:chgData name="Bhargavi Gottumukkala" userId="91702d681b757d4c" providerId="LiveId" clId="{6026B360-59C3-400C-9ED8-BE8BD46FFCD7}" dt="2024-06-23T13:13:11.471" v="1088"/>
+          <ac:chgData name="Bhargavi Gottumukkala" userId="91702d681b757d4c" providerId="LiveId" clId="{6026B360-59C3-400C-9ED8-BE8BD46FFCD7}" dt="2024-06-24T13:44:08.643" v="1142"/>
           <ac:spMkLst>
             <pc:docMk/>
             <pc:sldMk cId="0" sldId="265"/>
@@ -374,7 +374,7 @@
           <a:p>
             <a:fld id="{1D8BD707-D9CF-40AE-B4C6-C98DA3205C09}" type="datetimeFigureOut">
               <a:rPr lang="en-US"/>
-              <a:t>6/23/2024</a:t>
+              <a:t>6/24/2024</a:t>
             </a:fld>
             <a:endParaRPr lang="en-US"/>
           </a:p>
@@ -554,7 +554,7 @@
           <a:p>
             <a:fld id="{1D8BD707-D9CF-40AE-B4C6-C98DA3205C09}" type="datetimeFigureOut">
               <a:rPr lang="en-US"/>
-              <a:t>6/23/2024</a:t>
+              <a:t>6/24/2024</a:t>
             </a:fld>
             <a:endParaRPr lang="en-US"/>
           </a:p>
@@ -777,7 +777,7 @@
           <a:p>
             <a:fld id="{1D8BD707-D9CF-40AE-B4C6-C98DA3205C09}" type="datetimeFigureOut">
               <a:rPr lang="en-US"/>
-              <a:t>6/23/2024</a:t>
+              <a:t>6/24/2024</a:t>
             </a:fld>
             <a:endParaRPr lang="en-US"/>
           </a:p>
@@ -934,7 +934,7 @@
           <a:p>
             <a:fld id="{1D8BD707-D9CF-40AE-B4C6-C98DA3205C09}" type="datetimeFigureOut">
               <a:rPr lang="en-US"/>
-              <a:t>6/23/2024</a:t>
+              <a:t>6/24/2024</a:t>
             </a:fld>
             <a:endParaRPr lang="en-US"/>
           </a:p>
@@ -1062,7 +1062,7 @@
           <a:p>
             <a:fld id="{1D8BD707-D9CF-40AE-B4C6-C98DA3205C09}" type="datetimeFigureOut">
               <a:rPr lang="en-US"/>
-              <a:t>6/23/2024</a:t>
+              <a:t>6/24/2024</a:t>
             </a:fld>
             <a:endParaRPr lang="en-US"/>
           </a:p>
@@ -1781,7 +1781,7 @@
           <a:p>
             <a:fld id="{1D8BD707-D9CF-40AE-B4C6-C98DA3205C09}" type="datetimeFigureOut">
               <a:rPr lang="en-US"/>
-              <a:t>6/23/2024</a:t>
+              <a:t>6/24/2024</a:t>
             </a:fld>
             <a:endParaRPr lang="en-US"/>
           </a:p>
